--- a/graduation_thesis/figures/c2/pictures.pptx
+++ b/graduation_thesis/figures/c2/pictures.pptx
@@ -199,7 +199,7 @@
           <a:p>
             <a:fld id="{DFBD2350-0FC1-4CC8-9189-4554209681B9}" type="datetimeFigureOut">
               <a:rPr lang="zh-CN" altLang="en-US" smtClean="0"/>
-              <a:t>2020/3/19</a:t>
+              <a:t>2020/5/9</a:t>
             </a:fld>
             <a:endParaRPr lang="zh-CN" altLang="en-US"/>
           </a:p>
@@ -700,7 +700,7 @@
           <a:p>
             <a:fld id="{259E3DFB-078C-4AE7-9CA8-4F08B7C23DED}" type="datetimeFigureOut">
               <a:rPr lang="zh-CN" altLang="en-US" smtClean="0"/>
-              <a:t>2020/3/19</a:t>
+              <a:t>2020/5/9</a:t>
             </a:fld>
             <a:endParaRPr lang="zh-CN" altLang="en-US"/>
           </a:p>
@@ -898,7 +898,7 @@
           <a:p>
             <a:fld id="{259E3DFB-078C-4AE7-9CA8-4F08B7C23DED}" type="datetimeFigureOut">
               <a:rPr lang="zh-CN" altLang="en-US" smtClean="0"/>
-              <a:t>2020/3/19</a:t>
+              <a:t>2020/5/9</a:t>
             </a:fld>
             <a:endParaRPr lang="zh-CN" altLang="en-US"/>
           </a:p>
@@ -1106,7 +1106,7 @@
           <a:p>
             <a:fld id="{259E3DFB-078C-4AE7-9CA8-4F08B7C23DED}" type="datetimeFigureOut">
               <a:rPr lang="zh-CN" altLang="en-US" smtClean="0"/>
-              <a:t>2020/3/19</a:t>
+              <a:t>2020/5/9</a:t>
             </a:fld>
             <a:endParaRPr lang="zh-CN" altLang="en-US"/>
           </a:p>
@@ -1304,7 +1304,7 @@
           <a:p>
             <a:fld id="{259E3DFB-078C-4AE7-9CA8-4F08B7C23DED}" type="datetimeFigureOut">
               <a:rPr lang="zh-CN" altLang="en-US" smtClean="0"/>
-              <a:t>2020/3/19</a:t>
+              <a:t>2020/5/9</a:t>
             </a:fld>
             <a:endParaRPr lang="zh-CN" altLang="en-US"/>
           </a:p>
@@ -1579,7 +1579,7 @@
           <a:p>
             <a:fld id="{259E3DFB-078C-4AE7-9CA8-4F08B7C23DED}" type="datetimeFigureOut">
               <a:rPr lang="zh-CN" altLang="en-US" smtClean="0"/>
-              <a:t>2020/3/19</a:t>
+              <a:t>2020/5/9</a:t>
             </a:fld>
             <a:endParaRPr lang="zh-CN" altLang="en-US"/>
           </a:p>
@@ -1844,7 +1844,7 @@
           <a:p>
             <a:fld id="{259E3DFB-078C-4AE7-9CA8-4F08B7C23DED}" type="datetimeFigureOut">
               <a:rPr lang="zh-CN" altLang="en-US" smtClean="0"/>
-              <a:t>2020/3/19</a:t>
+              <a:t>2020/5/9</a:t>
             </a:fld>
             <a:endParaRPr lang="zh-CN" altLang="en-US"/>
           </a:p>
@@ -2256,7 +2256,7 @@
           <a:p>
             <a:fld id="{259E3DFB-078C-4AE7-9CA8-4F08B7C23DED}" type="datetimeFigureOut">
               <a:rPr lang="zh-CN" altLang="en-US" smtClean="0"/>
-              <a:t>2020/3/19</a:t>
+              <a:t>2020/5/9</a:t>
             </a:fld>
             <a:endParaRPr lang="zh-CN" altLang="en-US"/>
           </a:p>
@@ -2397,7 +2397,7 @@
           <a:p>
             <a:fld id="{259E3DFB-078C-4AE7-9CA8-4F08B7C23DED}" type="datetimeFigureOut">
               <a:rPr lang="zh-CN" altLang="en-US" smtClean="0"/>
-              <a:t>2020/3/19</a:t>
+              <a:t>2020/5/9</a:t>
             </a:fld>
             <a:endParaRPr lang="zh-CN" altLang="en-US"/>
           </a:p>
@@ -2510,7 +2510,7 @@
           <a:p>
             <a:fld id="{259E3DFB-078C-4AE7-9CA8-4F08B7C23DED}" type="datetimeFigureOut">
               <a:rPr lang="zh-CN" altLang="en-US" smtClean="0"/>
-              <a:t>2020/3/19</a:t>
+              <a:t>2020/5/9</a:t>
             </a:fld>
             <a:endParaRPr lang="zh-CN" altLang="en-US"/>
           </a:p>
@@ -2821,7 +2821,7 @@
           <a:p>
             <a:fld id="{259E3DFB-078C-4AE7-9CA8-4F08B7C23DED}" type="datetimeFigureOut">
               <a:rPr lang="zh-CN" altLang="en-US" smtClean="0"/>
-              <a:t>2020/3/19</a:t>
+              <a:t>2020/5/9</a:t>
             </a:fld>
             <a:endParaRPr lang="zh-CN" altLang="en-US"/>
           </a:p>
@@ -3109,7 +3109,7 @@
           <a:p>
             <a:fld id="{259E3DFB-078C-4AE7-9CA8-4F08B7C23DED}" type="datetimeFigureOut">
               <a:rPr lang="zh-CN" altLang="en-US" smtClean="0"/>
-              <a:t>2020/3/19</a:t>
+              <a:t>2020/5/9</a:t>
             </a:fld>
             <a:endParaRPr lang="zh-CN" altLang="en-US"/>
           </a:p>
@@ -3350,7 +3350,7 @@
           <a:p>
             <a:fld id="{259E3DFB-078C-4AE7-9CA8-4F08B7C23DED}" type="datetimeFigureOut">
               <a:rPr lang="zh-CN" altLang="en-US" smtClean="0"/>
-              <a:t>2020/3/19</a:t>
+              <a:t>2020/5/9</a:t>
             </a:fld>
             <a:endParaRPr lang="zh-CN" altLang="en-US"/>
           </a:p>
@@ -4410,7 +4410,7 @@
           <a:graphicData uri="http://schemas.openxmlformats.org/presentationml/2006/ole">
             <mc:AlternateContent xmlns:mc="http://schemas.openxmlformats.org/markup-compatibility/2006">
               <mc:Choice xmlns:v="urn:schemas-microsoft-com:vml" Requires="v">
-                <p:oleObj spid="_x0000_s3555" name="Equation" r:id="rId5" imgW="241200" imgH="203040" progId="Equation.DSMT4">
+                <p:oleObj spid="_x0000_s3583" name="Equation" r:id="rId5" imgW="241200" imgH="203040" progId="Equation.DSMT4">
                   <p:embed/>
                 </p:oleObj>
               </mc:Choice>
@@ -4473,7 +4473,7 @@
           <a:graphicData uri="http://schemas.openxmlformats.org/presentationml/2006/ole">
             <mc:AlternateContent xmlns:mc="http://schemas.openxmlformats.org/markup-compatibility/2006">
               <mc:Choice xmlns:v="urn:schemas-microsoft-com:vml" Requires="v">
-                <p:oleObj spid="_x0000_s3556" name="Equation" r:id="rId7" imgW="228600" imgH="190440" progId="Equation.DSMT4">
+                <p:oleObj spid="_x0000_s3584" name="Equation" r:id="rId7" imgW="228600" imgH="190440" progId="Equation.DSMT4">
                   <p:embed/>
                 </p:oleObj>
               </mc:Choice>
@@ -4661,7 +4661,7 @@
           <a:graphicData uri="http://schemas.openxmlformats.org/presentationml/2006/ole">
             <mc:AlternateContent xmlns:mc="http://schemas.openxmlformats.org/markup-compatibility/2006">
               <mc:Choice xmlns:v="urn:schemas-microsoft-com:vml" Requires="v">
-                <p:oleObj spid="_x0000_s3557" name="Equation" r:id="rId9" imgW="444240" imgH="177480" progId="Equation.DSMT4">
+                <p:oleObj spid="_x0000_s3585" name="Equation" r:id="rId9" imgW="444240" imgH="177480" progId="Equation.DSMT4">
                   <p:embed/>
                 </p:oleObj>
               </mc:Choice>
@@ -4724,7 +4724,7 @@
           <a:graphicData uri="http://schemas.openxmlformats.org/presentationml/2006/ole">
             <mc:AlternateContent xmlns:mc="http://schemas.openxmlformats.org/markup-compatibility/2006">
               <mc:Choice xmlns:v="urn:schemas-microsoft-com:vml" Requires="v">
-                <p:oleObj spid="_x0000_s3558" name="Equation" r:id="rId11" imgW="596880" imgH="203040" progId="Equation.DSMT4">
+                <p:oleObj spid="_x0000_s3586" name="Equation" r:id="rId11" imgW="596880" imgH="203040" progId="Equation.DSMT4">
                   <p:embed/>
                 </p:oleObj>
               </mc:Choice>
@@ -5045,7 +5045,7 @@
           <a:graphicData uri="http://schemas.openxmlformats.org/presentationml/2006/ole">
             <mc:AlternateContent xmlns:mc="http://schemas.openxmlformats.org/markup-compatibility/2006">
               <mc:Choice xmlns:v="urn:schemas-microsoft-com:vml" Requires="v">
-                <p:oleObj spid="_x0000_s3559" name="Equation" r:id="rId13" imgW="1155600" imgH="203040" progId="Equation.DSMT4">
+                <p:oleObj spid="_x0000_s3587" name="Equation" r:id="rId13" imgW="1155600" imgH="203040" progId="Equation.DSMT4">
                   <p:embed/>
                 </p:oleObj>
               </mc:Choice>
@@ -5108,7 +5108,7 @@
           <a:graphicData uri="http://schemas.openxmlformats.org/presentationml/2006/ole">
             <mc:AlternateContent xmlns:mc="http://schemas.openxmlformats.org/markup-compatibility/2006">
               <mc:Choice xmlns:v="urn:schemas-microsoft-com:vml" Requires="v">
-                <p:oleObj spid="_x0000_s3560" name="Equation" r:id="rId15" imgW="203040" imgH="203040" progId="Equation.DSMT4">
+                <p:oleObj spid="_x0000_s3588" name="Equation" r:id="rId15" imgW="203040" imgH="203040" progId="Equation.DSMT4">
                   <p:embed/>
                 </p:oleObj>
               </mc:Choice>
@@ -5171,7 +5171,7 @@
           <a:graphicData uri="http://schemas.openxmlformats.org/presentationml/2006/ole">
             <mc:AlternateContent xmlns:mc="http://schemas.openxmlformats.org/markup-compatibility/2006">
               <mc:Choice xmlns:v="urn:schemas-microsoft-com:vml" Requires="v">
-                <p:oleObj spid="_x0000_s3561" name="Equation" r:id="rId17" imgW="190440" imgH="190440" progId="Equation.DSMT4">
+                <p:oleObj spid="_x0000_s3589" name="Equation" r:id="rId17" imgW="190440" imgH="190440" progId="Equation.DSMT4">
                   <p:embed/>
                 </p:oleObj>
               </mc:Choice>
@@ -5234,7 +5234,7 @@
           <a:graphicData uri="http://schemas.openxmlformats.org/presentationml/2006/ole">
             <mc:AlternateContent xmlns:mc="http://schemas.openxmlformats.org/markup-compatibility/2006">
               <mc:Choice xmlns:v="urn:schemas-microsoft-com:vml" Requires="v">
-                <p:oleObj spid="_x0000_s3562" name="Equation" r:id="rId19" imgW="291960" imgH="241200" progId="Equation.DSMT4">
+                <p:oleObj spid="_x0000_s3590" name="Equation" r:id="rId19" imgW="291960" imgH="241200" progId="Equation.DSMT4">
                   <p:embed/>
                 </p:oleObj>
               </mc:Choice>
@@ -5297,7 +5297,7 @@
           <a:graphicData uri="http://schemas.openxmlformats.org/presentationml/2006/ole">
             <mc:AlternateContent xmlns:mc="http://schemas.openxmlformats.org/markup-compatibility/2006">
               <mc:Choice xmlns:v="urn:schemas-microsoft-com:vml" Requires="v">
-                <p:oleObj spid="_x0000_s3563" name="Equation" r:id="rId21" imgW="291960" imgH="241200" progId="Equation.DSMT4">
+                <p:oleObj spid="_x0000_s3591" name="Equation" r:id="rId21" imgW="291960" imgH="241200" progId="Equation.DSMT4">
                   <p:embed/>
                 </p:oleObj>
               </mc:Choice>
@@ -5360,7 +5360,7 @@
           <a:graphicData uri="http://schemas.openxmlformats.org/presentationml/2006/ole">
             <mc:AlternateContent xmlns:mc="http://schemas.openxmlformats.org/markup-compatibility/2006">
               <mc:Choice xmlns:v="urn:schemas-microsoft-com:vml" Requires="v">
-                <p:oleObj spid="_x0000_s3564" name="Equation" r:id="rId23" imgW="266400" imgH="241200" progId="Equation.DSMT4">
+                <p:oleObj spid="_x0000_s3592" name="Equation" r:id="rId23" imgW="266400" imgH="241200" progId="Equation.DSMT4">
                   <p:embed/>
                 </p:oleObj>
               </mc:Choice>
@@ -5423,7 +5423,7 @@
           <a:graphicData uri="http://schemas.openxmlformats.org/presentationml/2006/ole">
             <mc:AlternateContent xmlns:mc="http://schemas.openxmlformats.org/markup-compatibility/2006">
               <mc:Choice xmlns:v="urn:schemas-microsoft-com:vml" Requires="v">
-                <p:oleObj spid="_x0000_s3565" name="Equation" r:id="rId25" imgW="266400" imgH="241200" progId="Equation.DSMT4">
+                <p:oleObj spid="_x0000_s3593" name="Equation" r:id="rId25" imgW="266400" imgH="241200" progId="Equation.DSMT4">
                   <p:embed/>
                 </p:oleObj>
               </mc:Choice>
@@ -5486,7 +5486,7 @@
           <a:graphicData uri="http://schemas.openxmlformats.org/presentationml/2006/ole">
             <mc:AlternateContent xmlns:mc="http://schemas.openxmlformats.org/markup-compatibility/2006">
               <mc:Choice xmlns:v="urn:schemas-microsoft-com:vml" Requires="v">
-                <p:oleObj spid="_x0000_s3566" name="Equation" r:id="rId27" imgW="215640" imgH="241200" progId="Equation.DSMT4">
+                <p:oleObj spid="_x0000_s3594" name="Equation" r:id="rId27" imgW="215640" imgH="241200" progId="Equation.DSMT4">
                   <p:embed/>
                 </p:oleObj>
               </mc:Choice>
@@ -5549,7 +5549,7 @@
           <a:graphicData uri="http://schemas.openxmlformats.org/presentationml/2006/ole">
             <mc:AlternateContent xmlns:mc="http://schemas.openxmlformats.org/markup-compatibility/2006">
               <mc:Choice xmlns:v="urn:schemas-microsoft-com:vml" Requires="v">
-                <p:oleObj spid="_x0000_s3567" name="Equation" r:id="rId29" imgW="215640" imgH="241200" progId="Equation.DSMT4">
+                <p:oleObj spid="_x0000_s3595" name="Equation" r:id="rId29" imgW="215640" imgH="241200" progId="Equation.DSMT4">
                   <p:embed/>
                 </p:oleObj>
               </mc:Choice>
@@ -5699,7 +5699,7 @@
           <a:graphicData uri="http://schemas.openxmlformats.org/presentationml/2006/ole">
             <mc:AlternateContent xmlns:mc="http://schemas.openxmlformats.org/markup-compatibility/2006">
               <mc:Choice xmlns:v="urn:schemas-microsoft-com:vml" Requires="v">
-                <p:oleObj spid="_x0000_s3568" name="Equation" r:id="rId31" imgW="215640" imgH="253800" progId="Equation.DSMT4">
+                <p:oleObj spid="_x0000_s3596" name="Equation" r:id="rId31" imgW="215640" imgH="253800" progId="Equation.DSMT4">
                   <p:embed/>
                 </p:oleObj>
               </mc:Choice>
@@ -5807,7 +5807,7 @@
           <a:graphicData uri="http://schemas.openxmlformats.org/presentationml/2006/ole">
             <mc:AlternateContent xmlns:mc="http://schemas.openxmlformats.org/markup-compatibility/2006">
               <mc:Choice xmlns:v="urn:schemas-microsoft-com:vml" Requires="v">
-                <p:oleObj spid="_x0000_s3569" name="Equation" r:id="rId33" imgW="304560" imgH="241200" progId="Equation.DSMT4">
+                <p:oleObj spid="_x0000_s3597" name="Equation" r:id="rId33" imgW="304560" imgH="241200" progId="Equation.DSMT4">
                   <p:embed/>
                 </p:oleObj>
               </mc:Choice>
@@ -6012,99 +6012,6 @@
           </a:fontRef>
         </p:style>
       </p:cxnSp>
-      <p:cxnSp>
-        <p:nvCxnSpPr>
-          <p:cNvPr id="76" name="直接连接符 75">
-            <a:extLst>
-              <a:ext uri="{FF2B5EF4-FFF2-40B4-BE49-F238E27FC236}">
-                <a16:creationId xmlns:a16="http://schemas.microsoft.com/office/drawing/2014/main" id="{0F0C3B94-4674-4DC8-BF1C-AC1C6F1F567F}"/>
-              </a:ext>
-            </a:extLst>
-          </p:cNvPr>
-          <p:cNvCxnSpPr>
-            <a:cxnSpLocks/>
-          </p:cNvCxnSpPr>
-          <p:nvPr/>
-        </p:nvCxnSpPr>
-        <p:spPr>
-          <a:xfrm flipH="1" flipV="1">
-            <a:off x="4400550" y="3872249"/>
-            <a:ext cx="324865" cy="165438"/>
-          </a:xfrm>
-          <a:prstGeom prst="line">
-            <a:avLst/>
-          </a:prstGeom>
-          <a:ln>
-            <a:solidFill>
-              <a:schemeClr val="bg2">
-                <a:lumMod val="50000"/>
-              </a:schemeClr>
-            </a:solidFill>
-            <a:prstDash val="sysDash"/>
-          </a:ln>
-        </p:spPr>
-        <p:style>
-          <a:lnRef idx="1">
-            <a:schemeClr val="accent1"/>
-          </a:lnRef>
-          <a:fillRef idx="0">
-            <a:schemeClr val="accent1"/>
-          </a:fillRef>
-          <a:effectRef idx="0">
-            <a:schemeClr val="accent1"/>
-          </a:effectRef>
-          <a:fontRef idx="minor">
-            <a:schemeClr val="tx1"/>
-          </a:fontRef>
-        </p:style>
-      </p:cxnSp>
-      <p:cxnSp>
-        <p:nvCxnSpPr>
-          <p:cNvPr id="79" name="直接连接符 78">
-            <a:extLst>
-              <a:ext uri="{FF2B5EF4-FFF2-40B4-BE49-F238E27FC236}">
-                <a16:creationId xmlns:a16="http://schemas.microsoft.com/office/drawing/2014/main" id="{DD6557F9-9FBE-4FB9-B02F-FDB6C837966E}"/>
-              </a:ext>
-            </a:extLst>
-          </p:cNvPr>
-          <p:cNvCxnSpPr>
-            <a:cxnSpLocks/>
-            <a:endCxn id="5" idx="3"/>
-          </p:cNvCxnSpPr>
-          <p:nvPr/>
-        </p:nvCxnSpPr>
-        <p:spPr>
-          <a:xfrm flipH="1">
-            <a:off x="4279477" y="4038382"/>
-            <a:ext cx="448082" cy="792780"/>
-          </a:xfrm>
-          <a:prstGeom prst="line">
-            <a:avLst/>
-          </a:prstGeom>
-          <a:ln>
-            <a:solidFill>
-              <a:schemeClr val="bg2">
-                <a:lumMod val="50000"/>
-              </a:schemeClr>
-            </a:solidFill>
-            <a:prstDash val="sysDash"/>
-          </a:ln>
-        </p:spPr>
-        <p:style>
-          <a:lnRef idx="1">
-            <a:schemeClr val="accent1"/>
-          </a:lnRef>
-          <a:fillRef idx="0">
-            <a:schemeClr val="accent1"/>
-          </a:fillRef>
-          <a:effectRef idx="0">
-            <a:schemeClr val="accent1"/>
-          </a:effectRef>
-          <a:fontRef idx="minor">
-            <a:schemeClr val="tx1"/>
-          </a:fontRef>
-        </p:style>
-      </p:cxnSp>
       <p:graphicFrame>
         <p:nvGraphicFramePr>
           <p:cNvPr id="93" name="对象 92">
@@ -6133,7 +6040,7 @@
           <a:graphicData uri="http://schemas.openxmlformats.org/presentationml/2006/ole">
             <mc:AlternateContent xmlns:mc="http://schemas.openxmlformats.org/markup-compatibility/2006">
               <mc:Choice xmlns:v="urn:schemas-microsoft-com:vml" Requires="v">
-                <p:oleObj spid="_x0000_s3570" name="Equation" r:id="rId35" imgW="177480" imgH="241200" progId="Equation.DSMT4">
+                <p:oleObj spid="_x0000_s3598" name="Equation" r:id="rId35" imgW="177480" imgH="241200" progId="Equation.DSMT4">
                   <p:embed/>
                 </p:oleObj>
               </mc:Choice>
@@ -6345,50 +6252,6 @@
       </p:cxnSp>
       <p:cxnSp>
         <p:nvCxnSpPr>
-          <p:cNvPr id="107" name="直接连接符 106">
-            <a:extLst>
-              <a:ext uri="{FF2B5EF4-FFF2-40B4-BE49-F238E27FC236}">
-                <a16:creationId xmlns:a16="http://schemas.microsoft.com/office/drawing/2014/main" id="{5066FE91-4C1B-4019-A4D8-D17E588B38AE}"/>
-              </a:ext>
-            </a:extLst>
-          </p:cNvPr>
-          <p:cNvCxnSpPr>
-            <a:cxnSpLocks/>
-          </p:cNvCxnSpPr>
-          <p:nvPr/>
-        </p:nvCxnSpPr>
-        <p:spPr>
-          <a:xfrm flipV="1">
-            <a:off x="4858968" y="1895475"/>
-            <a:ext cx="605432" cy="1117823"/>
-          </a:xfrm>
-          <a:prstGeom prst="line">
-            <a:avLst/>
-          </a:prstGeom>
-          <a:ln>
-            <a:solidFill>
-              <a:schemeClr val="tx1"/>
-            </a:solidFill>
-            <a:prstDash val="dashDot"/>
-          </a:ln>
-        </p:spPr>
-        <p:style>
-          <a:lnRef idx="1">
-            <a:schemeClr val="accent1"/>
-          </a:lnRef>
-          <a:fillRef idx="0">
-            <a:schemeClr val="accent1"/>
-          </a:fillRef>
-          <a:effectRef idx="0">
-            <a:schemeClr val="accent1"/>
-          </a:effectRef>
-          <a:fontRef idx="minor">
-            <a:schemeClr val="tx1"/>
-          </a:fontRef>
-        </p:style>
-      </p:cxnSp>
-      <p:cxnSp>
-        <p:nvCxnSpPr>
           <p:cNvPr id="108" name="直接连接符 107">
             <a:extLst>
               <a:ext uri="{FF2B5EF4-FFF2-40B4-BE49-F238E27FC236}">
@@ -6433,182 +6296,6 @@
       </p:cxnSp>
       <p:cxnSp>
         <p:nvCxnSpPr>
-          <p:cNvPr id="112" name="直接连接符 111">
-            <a:extLst>
-              <a:ext uri="{FF2B5EF4-FFF2-40B4-BE49-F238E27FC236}">
-                <a16:creationId xmlns:a16="http://schemas.microsoft.com/office/drawing/2014/main" id="{61E9D887-D292-4B47-81E5-6C031A1F6A95}"/>
-              </a:ext>
-            </a:extLst>
-          </p:cNvPr>
-          <p:cNvCxnSpPr>
-            <a:cxnSpLocks/>
-          </p:cNvCxnSpPr>
-          <p:nvPr/>
-        </p:nvCxnSpPr>
-        <p:spPr>
-          <a:xfrm flipH="1" flipV="1">
-            <a:off x="5410215" y="2013179"/>
-            <a:ext cx="1544033" cy="822322"/>
-          </a:xfrm>
-          <a:prstGeom prst="line">
-            <a:avLst/>
-          </a:prstGeom>
-          <a:ln>
-            <a:solidFill>
-              <a:schemeClr val="tx1"/>
-            </a:solidFill>
-            <a:prstDash val="dashDot"/>
-          </a:ln>
-        </p:spPr>
-        <p:style>
-          <a:lnRef idx="1">
-            <a:schemeClr val="accent1"/>
-          </a:lnRef>
-          <a:fillRef idx="0">
-            <a:schemeClr val="accent1"/>
-          </a:fillRef>
-          <a:effectRef idx="0">
-            <a:schemeClr val="accent1"/>
-          </a:effectRef>
-          <a:fontRef idx="minor">
-            <a:schemeClr val="tx1"/>
-          </a:fontRef>
-        </p:style>
-      </p:cxnSp>
-      <p:cxnSp>
-        <p:nvCxnSpPr>
-          <p:cNvPr id="115" name="直接连接符 114">
-            <a:extLst>
-              <a:ext uri="{FF2B5EF4-FFF2-40B4-BE49-F238E27FC236}">
-                <a16:creationId xmlns:a16="http://schemas.microsoft.com/office/drawing/2014/main" id="{BAC3189F-E4C3-4600-A0F9-F86AFFC6A4C7}"/>
-              </a:ext>
-            </a:extLst>
-          </p:cNvPr>
-          <p:cNvCxnSpPr>
-            <a:cxnSpLocks/>
-          </p:cNvCxnSpPr>
-          <p:nvPr/>
-        </p:nvCxnSpPr>
-        <p:spPr>
-          <a:xfrm flipH="1">
-            <a:off x="5538182" y="2835497"/>
-            <a:ext cx="1416067" cy="2630530"/>
-          </a:xfrm>
-          <a:prstGeom prst="line">
-            <a:avLst/>
-          </a:prstGeom>
-          <a:ln>
-            <a:solidFill>
-              <a:schemeClr val="tx1"/>
-            </a:solidFill>
-            <a:prstDash val="dashDot"/>
-          </a:ln>
-        </p:spPr>
-        <p:style>
-          <a:lnRef idx="1">
-            <a:schemeClr val="accent1"/>
-          </a:lnRef>
-          <a:fillRef idx="0">
-            <a:schemeClr val="accent1"/>
-          </a:fillRef>
-          <a:effectRef idx="0">
-            <a:schemeClr val="accent1"/>
-          </a:effectRef>
-          <a:fontRef idx="minor">
-            <a:schemeClr val="tx1"/>
-          </a:fontRef>
-        </p:style>
-      </p:cxnSp>
-      <p:cxnSp>
-        <p:nvCxnSpPr>
-          <p:cNvPr id="124" name="直接连接符 123">
-            <a:extLst>
-              <a:ext uri="{FF2B5EF4-FFF2-40B4-BE49-F238E27FC236}">
-                <a16:creationId xmlns:a16="http://schemas.microsoft.com/office/drawing/2014/main" id="{5659511C-FEE2-4D22-9349-60843D8E895F}"/>
-              </a:ext>
-            </a:extLst>
-          </p:cNvPr>
-          <p:cNvCxnSpPr>
-            <a:cxnSpLocks/>
-          </p:cNvCxnSpPr>
-          <p:nvPr/>
-        </p:nvCxnSpPr>
-        <p:spPr>
-          <a:xfrm flipH="1">
-            <a:off x="7277698" y="2448546"/>
-            <a:ext cx="904860" cy="884401"/>
-          </a:xfrm>
-          <a:prstGeom prst="line">
-            <a:avLst/>
-          </a:prstGeom>
-          <a:ln>
-            <a:solidFill>
-              <a:schemeClr val="tx1"/>
-            </a:solidFill>
-            <a:prstDash val="dashDot"/>
-          </a:ln>
-        </p:spPr>
-        <p:style>
-          <a:lnRef idx="1">
-            <a:schemeClr val="accent1"/>
-          </a:lnRef>
-          <a:fillRef idx="0">
-            <a:schemeClr val="accent1"/>
-          </a:fillRef>
-          <a:effectRef idx="0">
-            <a:schemeClr val="accent1"/>
-          </a:effectRef>
-          <a:fontRef idx="minor">
-            <a:schemeClr val="tx1"/>
-          </a:fontRef>
-        </p:style>
-      </p:cxnSp>
-      <p:cxnSp>
-        <p:nvCxnSpPr>
-          <p:cNvPr id="126" name="直接连接符 125">
-            <a:extLst>
-              <a:ext uri="{FF2B5EF4-FFF2-40B4-BE49-F238E27FC236}">
-                <a16:creationId xmlns:a16="http://schemas.microsoft.com/office/drawing/2014/main" id="{BDD20597-E800-4B66-AE09-54E98BC0245D}"/>
-              </a:ext>
-            </a:extLst>
-          </p:cNvPr>
-          <p:cNvCxnSpPr>
-            <a:cxnSpLocks/>
-          </p:cNvCxnSpPr>
-          <p:nvPr/>
-        </p:nvCxnSpPr>
-        <p:spPr>
-          <a:xfrm flipH="1" flipV="1">
-            <a:off x="7702619" y="1980791"/>
-            <a:ext cx="472684" cy="467754"/>
-          </a:xfrm>
-          <a:prstGeom prst="line">
-            <a:avLst/>
-          </a:prstGeom>
-          <a:ln>
-            <a:solidFill>
-              <a:schemeClr val="tx1"/>
-            </a:solidFill>
-            <a:prstDash val="dashDot"/>
-          </a:ln>
-        </p:spPr>
-        <p:style>
-          <a:lnRef idx="1">
-            <a:schemeClr val="accent1"/>
-          </a:lnRef>
-          <a:fillRef idx="0">
-            <a:schemeClr val="accent1"/>
-          </a:fillRef>
-          <a:effectRef idx="0">
-            <a:schemeClr val="accent1"/>
-          </a:effectRef>
-          <a:fontRef idx="minor">
-            <a:schemeClr val="tx1"/>
-          </a:fontRef>
-        </p:style>
-      </p:cxnSp>
-      <p:cxnSp>
-        <p:nvCxnSpPr>
           <p:cNvPr id="131" name="直接箭头连接符 130">
             <a:extLst>
               <a:ext uri="{FF2B5EF4-FFF2-40B4-BE49-F238E27FC236}">
@@ -6646,50 +6333,6 @@
           </a:fontRef>
         </p:style>
       </p:cxnSp>
-      <p:cxnSp>
-        <p:nvCxnSpPr>
-          <p:cNvPr id="136" name="直接连接符 135">
-            <a:extLst>
-              <a:ext uri="{FF2B5EF4-FFF2-40B4-BE49-F238E27FC236}">
-                <a16:creationId xmlns:a16="http://schemas.microsoft.com/office/drawing/2014/main" id="{BF08B571-1CDF-4F67-B15B-2DD220E0DEA6}"/>
-              </a:ext>
-            </a:extLst>
-          </p:cNvPr>
-          <p:cNvCxnSpPr>
-            <a:cxnSpLocks/>
-          </p:cNvCxnSpPr>
-          <p:nvPr/>
-        </p:nvCxnSpPr>
-        <p:spPr>
-          <a:xfrm>
-            <a:off x="6946992" y="2842491"/>
-            <a:ext cx="412709" cy="434853"/>
-          </a:xfrm>
-          <a:prstGeom prst="line">
-            <a:avLst/>
-          </a:prstGeom>
-          <a:ln>
-            <a:solidFill>
-              <a:schemeClr val="tx1"/>
-            </a:solidFill>
-            <a:prstDash val="dashDot"/>
-          </a:ln>
-        </p:spPr>
-        <p:style>
-          <a:lnRef idx="1">
-            <a:schemeClr val="accent1"/>
-          </a:lnRef>
-          <a:fillRef idx="0">
-            <a:schemeClr val="accent1"/>
-          </a:fillRef>
-          <a:effectRef idx="0">
-            <a:schemeClr val="accent1"/>
-          </a:effectRef>
-          <a:fontRef idx="minor">
-            <a:schemeClr val="tx1"/>
-          </a:fontRef>
-        </p:style>
-      </p:cxnSp>
       <p:graphicFrame>
         <p:nvGraphicFramePr>
           <p:cNvPr id="138" name="对象 137">
@@ -6718,7 +6361,7 @@
           <a:graphicData uri="http://schemas.openxmlformats.org/presentationml/2006/ole">
             <mc:AlternateContent xmlns:mc="http://schemas.openxmlformats.org/markup-compatibility/2006">
               <mc:Choice xmlns:v="urn:schemas-microsoft-com:vml" Requires="v">
-                <p:oleObj spid="_x0000_s3571" name="Equation" r:id="rId37" imgW="1015920" imgH="190440" progId="Equation.DSMT4">
+                <p:oleObj spid="_x0000_s3599" name="Equation" r:id="rId37" imgW="1015920" imgH="190440" progId="Equation.DSMT4">
                   <p:embed/>
                 </p:oleObj>
               </mc:Choice>
@@ -6781,7 +6424,7 @@
           <a:graphicData uri="http://schemas.openxmlformats.org/presentationml/2006/ole">
             <mc:AlternateContent xmlns:mc="http://schemas.openxmlformats.org/markup-compatibility/2006">
               <mc:Choice xmlns:v="urn:schemas-microsoft-com:vml" Requires="v">
-                <p:oleObj spid="_x0000_s3572" name="Equation" r:id="rId39" imgW="533160" imgH="253800" progId="Equation.DSMT4">
+                <p:oleObj spid="_x0000_s3600" name="Equation" r:id="rId39" imgW="533160" imgH="253800" progId="Equation.DSMT4">
                   <p:embed/>
                 </p:oleObj>
               </mc:Choice>
@@ -6844,7 +6487,7 @@
           <a:graphicData uri="http://schemas.openxmlformats.org/presentationml/2006/ole">
             <mc:AlternateContent xmlns:mc="http://schemas.openxmlformats.org/markup-compatibility/2006">
               <mc:Choice xmlns:v="urn:schemas-microsoft-com:vml" Requires="v">
-                <p:oleObj spid="_x0000_s3573" name="Equation" r:id="rId41" imgW="660240" imgH="253800" progId="Equation.DSMT4">
+                <p:oleObj spid="_x0000_s3601" name="Equation" r:id="rId41" imgW="660240" imgH="253800" progId="Equation.DSMT4">
                   <p:embed/>
                 </p:oleObj>
               </mc:Choice>
@@ -6907,7 +6550,7 @@
           <a:graphicData uri="http://schemas.openxmlformats.org/presentationml/2006/ole">
             <mc:AlternateContent xmlns:mc="http://schemas.openxmlformats.org/markup-compatibility/2006">
               <mc:Choice xmlns:v="urn:schemas-microsoft-com:vml" Requires="v">
-                <p:oleObj spid="_x0000_s3574" name="Equation" r:id="rId43" imgW="507960" imgH="253800" progId="Equation.DSMT4">
+                <p:oleObj spid="_x0000_s3602" name="Equation" r:id="rId43" imgW="507960" imgH="253800" progId="Equation.DSMT4">
                   <p:embed/>
                 </p:oleObj>
               </mc:Choice>
@@ -7027,7 +6670,7 @@
           <a:graphicData uri="http://schemas.openxmlformats.org/presentationml/2006/ole">
             <mc:AlternateContent xmlns:mc="http://schemas.openxmlformats.org/markup-compatibility/2006">
               <mc:Choice xmlns:v="urn:schemas-microsoft-com:vml" Requires="v">
-                <p:oleObj spid="_x0000_s3575" name="Equation" r:id="rId45" imgW="241200" imgH="190440" progId="Equation.DSMT4">
+                <p:oleObj spid="_x0000_s3603" name="Equation" r:id="rId45" imgW="241200" imgH="190440" progId="Equation.DSMT4">
                   <p:embed/>
                 </p:oleObj>
               </mc:Choice>
@@ -7134,7 +6777,7 @@
           <a:graphicData uri="http://schemas.openxmlformats.org/presentationml/2006/ole">
             <mc:AlternateContent xmlns:mc="http://schemas.openxmlformats.org/markup-compatibility/2006">
               <mc:Choice xmlns:v="urn:schemas-microsoft-com:vml" Requires="v">
-                <p:oleObj spid="_x0000_s3576" name="Equation" r:id="rId47" imgW="253800" imgH="241200" progId="Equation.DSMT4">
+                <p:oleObj spid="_x0000_s3604" name="Equation" r:id="rId47" imgW="253800" imgH="241200" progId="Equation.DSMT4">
                   <p:embed/>
                 </p:oleObj>
               </mc:Choice>
@@ -7254,7 +6897,7 @@
           <a:graphicData uri="http://schemas.openxmlformats.org/presentationml/2006/ole">
             <mc:AlternateContent xmlns:mc="http://schemas.openxmlformats.org/markup-compatibility/2006">
               <mc:Choice xmlns:v="urn:schemas-microsoft-com:vml" Requires="v">
-                <p:oleObj spid="_x0000_s3577" name="Equation" r:id="rId49" imgW="215640" imgH="190440" progId="Equation.DSMT4">
+                <p:oleObj spid="_x0000_s3605" name="Equation" r:id="rId49" imgW="215640" imgH="190440" progId="Equation.DSMT4">
                   <p:embed/>
                 </p:oleObj>
               </mc:Choice>
@@ -7461,7 +7104,7 @@
           <a:graphicData uri="http://schemas.openxmlformats.org/presentationml/2006/ole">
             <mc:AlternateContent xmlns:mc="http://schemas.openxmlformats.org/markup-compatibility/2006">
               <mc:Choice xmlns:v="urn:schemas-microsoft-com:vml" Requires="v">
-                <p:oleObj spid="_x0000_s3578" name="Equation" r:id="rId51" imgW="787320" imgH="228600" progId="Equation.DSMT4">
+                <p:oleObj spid="_x0000_s3606" name="Equation" r:id="rId51" imgW="787320" imgH="228600" progId="Equation.DSMT4">
                   <p:embed/>
                 </p:oleObj>
               </mc:Choice>
@@ -7612,7 +7255,7 @@
           <a:graphicData uri="http://schemas.openxmlformats.org/presentationml/2006/ole">
             <mc:AlternateContent xmlns:mc="http://schemas.openxmlformats.org/markup-compatibility/2006">
               <mc:Choice xmlns:v="urn:schemas-microsoft-com:vml" Requires="v">
-                <p:oleObj spid="_x0000_s3579" name="Equation" r:id="rId53" imgW="203040" imgH="241200" progId="Equation.DSMT4">
+                <p:oleObj spid="_x0000_s3607" name="Equation" r:id="rId53" imgW="203040" imgH="241200" progId="Equation.DSMT4">
                   <p:embed/>
                 </p:oleObj>
               </mc:Choice>
@@ -7675,7 +7318,7 @@
           <a:graphicData uri="http://schemas.openxmlformats.org/presentationml/2006/ole">
             <mc:AlternateContent xmlns:mc="http://schemas.openxmlformats.org/markup-compatibility/2006">
               <mc:Choice xmlns:v="urn:schemas-microsoft-com:vml" Requires="v">
-                <p:oleObj spid="_x0000_s3580" name="Equation" r:id="rId55" imgW="279360" imgH="241200" progId="Equation.DSMT4">
+                <p:oleObj spid="_x0000_s3608" name="Equation" r:id="rId55" imgW="279360" imgH="241200" progId="Equation.DSMT4">
                   <p:embed/>
                 </p:oleObj>
               </mc:Choice>
@@ -7738,7 +7381,7 @@
           <a:graphicData uri="http://schemas.openxmlformats.org/presentationml/2006/ole">
             <mc:AlternateContent xmlns:mc="http://schemas.openxmlformats.org/markup-compatibility/2006">
               <mc:Choice xmlns:v="urn:schemas-microsoft-com:vml" Requires="v">
-                <p:oleObj spid="_x0000_s3581" name="Equation" r:id="rId57" imgW="279360" imgH="241200" progId="Equation.DSMT4">
+                <p:oleObj spid="_x0000_s3609" name="Equation" r:id="rId57" imgW="279360" imgH="241200" progId="Equation.DSMT4">
                   <p:embed/>
                 </p:oleObj>
               </mc:Choice>
@@ -7945,7 +7588,7 @@
           <a:graphicData uri="http://schemas.openxmlformats.org/presentationml/2006/ole">
             <mc:AlternateContent xmlns:mc="http://schemas.openxmlformats.org/markup-compatibility/2006">
               <mc:Choice xmlns:v="urn:schemas-microsoft-com:vml" Requires="v">
-                <p:oleObj spid="_x0000_s3582" name="Equation" r:id="rId59" imgW="215640" imgH="228600" progId="Equation.DSMT4">
+                <p:oleObj spid="_x0000_s3610" name="Equation" r:id="rId59" imgW="215640" imgH="228600" progId="Equation.DSMT4">
                   <p:embed/>
                 </p:oleObj>
               </mc:Choice>
@@ -8191,7 +7834,7 @@
           <a:graphicData uri="http://schemas.openxmlformats.org/presentationml/2006/ole">
             <mc:AlternateContent xmlns:mc="http://schemas.openxmlformats.org/markup-compatibility/2006">
               <mc:Choice xmlns:v="urn:schemas-microsoft-com:vml" Requires="v">
-                <p:oleObj spid="_x0000_s2605" name="Equation" r:id="rId4" imgW="228600" imgH="190440" progId="Equation.DSMT4">
+                <p:oleObj spid="_x0000_s2626" name="Equation" r:id="rId4" imgW="228600" imgH="190440" progId="Equation.DSMT4">
                   <p:embed/>
                 </p:oleObj>
               </mc:Choice>
@@ -8348,7 +7991,7 @@
           <a:graphicData uri="http://schemas.openxmlformats.org/presentationml/2006/ole">
             <mc:AlternateContent xmlns:mc="http://schemas.openxmlformats.org/markup-compatibility/2006">
               <mc:Choice xmlns:v="urn:schemas-microsoft-com:vml" Requires="v">
-                <p:oleObj spid="_x0000_s2606" name="Equation" r:id="rId6" imgW="203040" imgH="190440" progId="Equation.DSMT4">
+                <p:oleObj spid="_x0000_s2627" name="Equation" r:id="rId6" imgW="203040" imgH="190440" progId="Equation.DSMT4">
                   <p:embed/>
                 </p:oleObj>
               </mc:Choice>
@@ -8385,50 +8028,6 @@
       </p:graphicFrame>
       <p:cxnSp>
         <p:nvCxnSpPr>
-          <p:cNvPr id="14" name="直接连接符 13">
-            <a:extLst>
-              <a:ext uri="{FF2B5EF4-FFF2-40B4-BE49-F238E27FC236}">
-                <a16:creationId xmlns:a16="http://schemas.microsoft.com/office/drawing/2014/main" id="{E769D5F2-DB74-40F6-AABC-9B389A2F5B01}"/>
-              </a:ext>
-            </a:extLst>
-          </p:cNvPr>
-          <p:cNvCxnSpPr>
-            <a:cxnSpLocks/>
-          </p:cNvCxnSpPr>
-          <p:nvPr/>
-        </p:nvCxnSpPr>
-        <p:spPr>
-          <a:xfrm flipH="1">
-            <a:off x="5024120" y="2702561"/>
-            <a:ext cx="1492376" cy="0"/>
-          </a:xfrm>
-          <a:prstGeom prst="line">
-            <a:avLst/>
-          </a:prstGeom>
-          <a:ln>
-            <a:solidFill>
-              <a:schemeClr val="tx1"/>
-            </a:solidFill>
-            <a:prstDash val="dashDot"/>
-          </a:ln>
-        </p:spPr>
-        <p:style>
-          <a:lnRef idx="1">
-            <a:schemeClr val="accent1"/>
-          </a:lnRef>
-          <a:fillRef idx="0">
-            <a:schemeClr val="accent1"/>
-          </a:fillRef>
-          <a:effectRef idx="0">
-            <a:schemeClr val="accent1"/>
-          </a:effectRef>
-          <a:fontRef idx="minor">
-            <a:schemeClr val="tx1"/>
-          </a:fontRef>
-        </p:style>
-      </p:cxnSp>
-      <p:cxnSp>
-        <p:nvCxnSpPr>
           <p:cNvPr id="16" name="直接连接符 15">
             <a:extLst>
               <a:ext uri="{FF2B5EF4-FFF2-40B4-BE49-F238E27FC236}">
@@ -8599,92 +8198,6 @@
           </a:fontRef>
         </p:style>
       </p:cxnSp>
-      <p:cxnSp>
-        <p:nvCxnSpPr>
-          <p:cNvPr id="25" name="直接连接符 24">
-            <a:extLst>
-              <a:ext uri="{FF2B5EF4-FFF2-40B4-BE49-F238E27FC236}">
-                <a16:creationId xmlns:a16="http://schemas.microsoft.com/office/drawing/2014/main" id="{12BC34D6-56DC-4CE9-9C8A-F65F6A1C2439}"/>
-              </a:ext>
-            </a:extLst>
-          </p:cNvPr>
-          <p:cNvCxnSpPr>
-            <a:cxnSpLocks/>
-          </p:cNvCxnSpPr>
-          <p:nvPr/>
-        </p:nvCxnSpPr>
-        <p:spPr>
-          <a:xfrm flipV="1">
-            <a:off x="5343015" y="2702561"/>
-            <a:ext cx="0" cy="431801"/>
-          </a:xfrm>
-          <a:prstGeom prst="line">
-            <a:avLst/>
-          </a:prstGeom>
-          <a:ln>
-            <a:solidFill>
-              <a:schemeClr val="tx1"/>
-            </a:solidFill>
-            <a:prstDash val="dashDot"/>
-          </a:ln>
-        </p:spPr>
-        <p:style>
-          <a:lnRef idx="1">
-            <a:schemeClr val="accent1"/>
-          </a:lnRef>
-          <a:fillRef idx="0">
-            <a:schemeClr val="accent1"/>
-          </a:fillRef>
-          <a:effectRef idx="0">
-            <a:schemeClr val="accent1"/>
-          </a:effectRef>
-          <a:fontRef idx="minor">
-            <a:schemeClr val="tx1"/>
-          </a:fontRef>
-        </p:style>
-      </p:cxnSp>
-      <p:cxnSp>
-        <p:nvCxnSpPr>
-          <p:cNvPr id="27" name="直接连接符 26">
-            <a:extLst>
-              <a:ext uri="{FF2B5EF4-FFF2-40B4-BE49-F238E27FC236}">
-                <a16:creationId xmlns:a16="http://schemas.microsoft.com/office/drawing/2014/main" id="{73A26AFB-470D-4780-B48D-88CE59DA8C1F}"/>
-              </a:ext>
-            </a:extLst>
-          </p:cNvPr>
-          <p:cNvCxnSpPr/>
-          <p:nvPr/>
-        </p:nvCxnSpPr>
-        <p:spPr>
-          <a:xfrm>
-            <a:off x="5343015" y="3134361"/>
-            <a:ext cx="1173480" cy="0"/>
-          </a:xfrm>
-          <a:prstGeom prst="line">
-            <a:avLst/>
-          </a:prstGeom>
-          <a:ln>
-            <a:solidFill>
-              <a:schemeClr val="tx1"/>
-            </a:solidFill>
-            <a:prstDash val="dashDot"/>
-          </a:ln>
-        </p:spPr>
-        <p:style>
-          <a:lnRef idx="1">
-            <a:schemeClr val="accent1"/>
-          </a:lnRef>
-          <a:fillRef idx="0">
-            <a:schemeClr val="accent1"/>
-          </a:fillRef>
-          <a:effectRef idx="0">
-            <a:schemeClr val="accent1"/>
-          </a:effectRef>
-          <a:fontRef idx="minor">
-            <a:schemeClr val="tx1"/>
-          </a:fontRef>
-        </p:style>
-      </p:cxnSp>
       <p:graphicFrame>
         <p:nvGraphicFramePr>
           <p:cNvPr id="31" name="对象 30">
@@ -8713,7 +8226,7 @@
           <a:graphicData uri="http://schemas.openxmlformats.org/presentationml/2006/ole">
             <mc:AlternateContent xmlns:mc="http://schemas.openxmlformats.org/markup-compatibility/2006">
               <mc:Choice xmlns:v="urn:schemas-microsoft-com:vml" Requires="v">
-                <p:oleObj spid="_x0000_s2607" name="Equation" r:id="rId8" imgW="444240" imgH="177480" progId="Equation.DSMT4">
+                <p:oleObj spid="_x0000_s2628" name="Equation" r:id="rId8" imgW="444240" imgH="177480" progId="Equation.DSMT4">
                   <p:embed/>
                 </p:oleObj>
               </mc:Choice>
@@ -8776,7 +8289,7 @@
           <a:graphicData uri="http://schemas.openxmlformats.org/presentationml/2006/ole">
             <mc:AlternateContent xmlns:mc="http://schemas.openxmlformats.org/markup-compatibility/2006">
               <mc:Choice xmlns:v="urn:schemas-microsoft-com:vml" Requires="v">
-                <p:oleObj spid="_x0000_s2608" name="Equation" r:id="rId10" imgW="596880" imgH="203040" progId="Equation.DSMT4">
+                <p:oleObj spid="_x0000_s2629" name="Equation" r:id="rId10" imgW="596880" imgH="203040" progId="Equation.DSMT4">
                   <p:embed/>
                 </p:oleObj>
               </mc:Choice>
@@ -8839,7 +8352,7 @@
           <a:graphicData uri="http://schemas.openxmlformats.org/presentationml/2006/ole">
             <mc:AlternateContent xmlns:mc="http://schemas.openxmlformats.org/markup-compatibility/2006">
               <mc:Choice xmlns:v="urn:schemas-microsoft-com:vml" Requires="v">
-                <p:oleObj spid="_x0000_s2609" name="Equation" r:id="rId12" imgW="876123" imgH="144654" progId="Equation.DSMT4">
+                <p:oleObj spid="_x0000_s2630" name="Equation" r:id="rId12" imgW="876123" imgH="144654" progId="Equation.DSMT4">
                   <p:embed/>
                 </p:oleObj>
               </mc:Choice>
@@ -8902,7 +8415,7 @@
           <a:graphicData uri="http://schemas.openxmlformats.org/presentationml/2006/ole">
             <mc:AlternateContent xmlns:mc="http://schemas.openxmlformats.org/markup-compatibility/2006">
               <mc:Choice xmlns:v="urn:schemas-microsoft-com:vml" Requires="v">
-                <p:oleObj spid="_x0000_s2610" name="Equation" r:id="rId14" imgW="368280" imgH="253800" progId="Equation.DSMT4">
+                <p:oleObj spid="_x0000_s2631" name="Equation" r:id="rId14" imgW="368280" imgH="253800" progId="Equation.DSMT4">
                   <p:embed/>
                 </p:oleObj>
               </mc:Choice>
@@ -8971,7 +8484,7 @@
           <a:graphicData uri="http://schemas.openxmlformats.org/presentationml/2006/ole">
             <mc:AlternateContent xmlns:mc="http://schemas.openxmlformats.org/markup-compatibility/2006">
               <mc:Choice xmlns:v="urn:schemas-microsoft-com:vml" Requires="v">
-                <p:oleObj spid="_x0000_s2611" name="Equation" r:id="rId16" imgW="304560" imgH="253800" progId="Equation.DSMT4">
+                <p:oleObj spid="_x0000_s2632" name="Equation" r:id="rId16" imgW="304560" imgH="253800" progId="Equation.DSMT4">
                   <p:embed/>
                 </p:oleObj>
               </mc:Choice>
@@ -9034,7 +8547,7 @@
           <a:graphicData uri="http://schemas.openxmlformats.org/presentationml/2006/ole">
             <mc:AlternateContent xmlns:mc="http://schemas.openxmlformats.org/markup-compatibility/2006">
               <mc:Choice xmlns:v="urn:schemas-microsoft-com:vml" Requires="v">
-                <p:oleObj spid="_x0000_s2612" name="Equation" r:id="rId18" imgW="291960" imgH="253800" progId="Equation.DSMT4">
+                <p:oleObj spid="_x0000_s2633" name="Equation" r:id="rId18" imgW="291960" imgH="253800" progId="Equation.DSMT4">
                   <p:embed/>
                 </p:oleObj>
               </mc:Choice>
@@ -9097,7 +8610,7 @@
           <a:graphicData uri="http://schemas.openxmlformats.org/presentationml/2006/ole">
             <mc:AlternateContent xmlns:mc="http://schemas.openxmlformats.org/markup-compatibility/2006">
               <mc:Choice xmlns:v="urn:schemas-microsoft-com:vml" Requires="v">
-                <p:oleObj spid="_x0000_s2613" name="Equation" r:id="rId20" imgW="888840" imgH="203040" progId="Equation.DSMT4">
+                <p:oleObj spid="_x0000_s2634" name="Equation" r:id="rId20" imgW="888840" imgH="203040" progId="Equation.DSMT4">
                   <p:embed/>
                 </p:oleObj>
               </mc:Choice>
@@ -9210,7 +8723,7 @@
           <a:graphicData uri="http://schemas.openxmlformats.org/presentationml/2006/ole">
             <mc:AlternateContent xmlns:mc="http://schemas.openxmlformats.org/markup-compatibility/2006">
               <mc:Choice xmlns:v="urn:schemas-microsoft-com:vml" Requires="v">
-                <p:oleObj spid="_x0000_s2614" name="Equation" r:id="rId22" imgW="266400" imgH="241200" progId="Equation.DSMT4">
+                <p:oleObj spid="_x0000_s2635" name="Equation" r:id="rId22" imgW="266400" imgH="241200" progId="Equation.DSMT4">
                   <p:embed/>
                 </p:oleObj>
               </mc:Choice>
@@ -9273,7 +8786,7 @@
           <a:graphicData uri="http://schemas.openxmlformats.org/presentationml/2006/ole">
             <mc:AlternateContent xmlns:mc="http://schemas.openxmlformats.org/markup-compatibility/2006">
               <mc:Choice xmlns:v="urn:schemas-microsoft-com:vml" Requires="v">
-                <p:oleObj spid="_x0000_s2615" name="Equation" r:id="rId24" imgW="203040" imgH="241200" progId="Equation.DSMT4">
+                <p:oleObj spid="_x0000_s2636" name="Equation" r:id="rId24" imgW="203040" imgH="241200" progId="Equation.DSMT4">
                   <p:embed/>
                 </p:oleObj>
               </mc:Choice>
@@ -9399,7 +8912,7 @@
           <a:graphicData uri="http://schemas.openxmlformats.org/presentationml/2006/ole">
             <mc:AlternateContent xmlns:mc="http://schemas.openxmlformats.org/markup-compatibility/2006">
               <mc:Choice xmlns:v="urn:schemas-microsoft-com:vml" Requires="v">
-                <p:oleObj spid="_x0000_s2616" name="Equation" r:id="rId26" imgW="203040" imgH="203040" progId="Equation.DSMT4">
+                <p:oleObj spid="_x0000_s2637" name="Equation" r:id="rId26" imgW="203040" imgH="203040" progId="Equation.DSMT4">
                   <p:embed/>
                 </p:oleObj>
               </mc:Choice>
@@ -9504,7 +9017,7 @@
           <a:graphicData uri="http://schemas.openxmlformats.org/presentationml/2006/ole">
             <mc:AlternateContent xmlns:mc="http://schemas.openxmlformats.org/markup-compatibility/2006">
               <mc:Choice xmlns:v="urn:schemas-microsoft-com:vml" Requires="v">
-                <p:oleObj spid="_x0000_s2617" name="Equation" r:id="rId28" imgW="215640" imgH="241200" progId="Equation.DSMT4">
+                <p:oleObj spid="_x0000_s2638" name="Equation" r:id="rId28" imgW="215640" imgH="241200" progId="Equation.DSMT4">
                   <p:embed/>
                 </p:oleObj>
               </mc:Choice>
@@ -9573,7 +9086,7 @@
           <a:graphicData uri="http://schemas.openxmlformats.org/presentationml/2006/ole">
             <mc:AlternateContent xmlns:mc="http://schemas.openxmlformats.org/markup-compatibility/2006">
               <mc:Choice xmlns:v="urn:schemas-microsoft-com:vml" Requires="v">
-                <p:oleObj spid="_x0000_s2618" name="Equation" r:id="rId30" imgW="291960" imgH="241200" progId="Equation.DSMT4">
+                <p:oleObj spid="_x0000_s2639" name="Equation" r:id="rId30" imgW="291960" imgH="241200" progId="Equation.DSMT4">
                   <p:embed/>
                 </p:oleObj>
               </mc:Choice>
@@ -9759,7 +9272,7 @@
           <a:graphicData uri="http://schemas.openxmlformats.org/presentationml/2006/ole">
             <mc:AlternateContent xmlns:mc="http://schemas.openxmlformats.org/markup-compatibility/2006">
               <mc:Choice xmlns:v="urn:schemas-microsoft-com:vml" Requires="v">
-                <p:oleObj spid="_x0000_s2619" name="Equation" r:id="rId32" imgW="203040" imgH="228600" progId="Equation.DSMT4">
+                <p:oleObj spid="_x0000_s2640" name="Equation" r:id="rId32" imgW="203040" imgH="228600" progId="Equation.DSMT4">
                   <p:embed/>
                 </p:oleObj>
               </mc:Choice>
@@ -9822,7 +9335,7 @@
           <a:graphicData uri="http://schemas.openxmlformats.org/presentationml/2006/ole">
             <mc:AlternateContent xmlns:mc="http://schemas.openxmlformats.org/markup-compatibility/2006">
               <mc:Choice xmlns:v="urn:schemas-microsoft-com:vml" Requires="v">
-                <p:oleObj spid="_x0000_s2620" name="Equation" r:id="rId34" imgW="215640" imgH="203040" progId="Equation.DSMT4">
+                <p:oleObj spid="_x0000_s2641" name="Equation" r:id="rId34" imgW="215640" imgH="203040" progId="Equation.DSMT4">
                   <p:embed/>
                 </p:oleObj>
               </mc:Choice>
@@ -10059,7 +9572,7 @@
           <a:graphicData uri="http://schemas.openxmlformats.org/presentationml/2006/ole">
             <mc:AlternateContent xmlns:mc="http://schemas.openxmlformats.org/markup-compatibility/2006">
               <mc:Choice xmlns:v="urn:schemas-microsoft-com:vml" Requires="v">
-                <p:oleObj spid="_x0000_s2621" name="Equation" r:id="rId36" imgW="291960" imgH="241200" progId="Equation.DSMT4">
+                <p:oleObj spid="_x0000_s2642" name="Equation" r:id="rId36" imgW="291960" imgH="241200" progId="Equation.DSMT4">
                   <p:embed/>
                 </p:oleObj>
               </mc:Choice>
@@ -10166,7 +9679,7 @@
           <a:graphicData uri="http://schemas.openxmlformats.org/presentationml/2006/ole">
             <mc:AlternateContent xmlns:mc="http://schemas.openxmlformats.org/markup-compatibility/2006">
               <mc:Choice xmlns:v="urn:schemas-microsoft-com:vml" Requires="v">
-                <p:oleObj spid="_x0000_s2622" name="Equation" r:id="rId38" imgW="266400" imgH="241200" progId="Equation.DSMT4">
+                <p:oleObj spid="_x0000_s2643" name="Equation" r:id="rId38" imgW="266400" imgH="241200" progId="Equation.DSMT4">
                   <p:embed/>
                 </p:oleObj>
               </mc:Choice>
@@ -10235,7 +9748,7 @@
           <a:graphicData uri="http://schemas.openxmlformats.org/presentationml/2006/ole">
             <mc:AlternateContent xmlns:mc="http://schemas.openxmlformats.org/markup-compatibility/2006">
               <mc:Choice xmlns:v="urn:schemas-microsoft-com:vml" Requires="v">
-                <p:oleObj spid="_x0000_s2623" name="Equation" r:id="rId40" imgW="253800" imgH="241200" progId="Equation.DSMT4">
+                <p:oleObj spid="_x0000_s2644" name="Equation" r:id="rId40" imgW="253800" imgH="241200" progId="Equation.DSMT4">
                   <p:embed/>
                 </p:oleObj>
               </mc:Choice>
@@ -10340,7 +9853,7 @@
           <a:graphicData uri="http://schemas.openxmlformats.org/presentationml/2006/ole">
             <mc:AlternateContent xmlns:mc="http://schemas.openxmlformats.org/markup-compatibility/2006">
               <mc:Choice xmlns:v="urn:schemas-microsoft-com:vml" Requires="v">
-                <p:oleObj spid="_x0000_s2624" name="Equation" r:id="rId42" imgW="215640" imgH="253800" progId="Equation.DSMT4">
+                <p:oleObj spid="_x0000_s2645" name="Equation" r:id="rId42" imgW="215640" imgH="253800" progId="Equation.DSMT4">
                   <p:embed/>
                 </p:oleObj>
               </mc:Choice>
@@ -10454,7 +9967,7 @@
           <a:graphicData uri="http://schemas.openxmlformats.org/presentationml/2006/ole">
             <mc:AlternateContent xmlns:mc="http://schemas.openxmlformats.org/markup-compatibility/2006">
               <mc:Choice xmlns:v="urn:schemas-microsoft-com:vml" Requires="v">
-                <p:oleObj spid="_x0000_s2625" name="Equation" r:id="rId44" imgW="304560" imgH="241200" progId="Equation.DSMT4">
+                <p:oleObj spid="_x0000_s2646" name="Equation" r:id="rId44" imgW="304560" imgH="241200" progId="Equation.DSMT4">
                   <p:embed/>
                 </p:oleObj>
               </mc:Choice>
